--- a/Browser-PowerPoint-Demo.pptx
+++ b/Browser-PowerPoint-Demo.pptx
@@ -9,12 +9,14 @@
     <p:sldId id="257" r:id="rId3"/>
     <p:sldId id="258" r:id="rId4"/>
     <p:sldId id="259" r:id="rId5"/>
+    <p:sldId id="260" r:id="rId6"/>
+    <p:sldId id="261" r:id="rId7"/>
   </p:sldIdLst>
   <p:notesMasterIdLst>
-    <p:notesMasterId r:id="rId6"/>
+    <p:notesMasterId r:id="rId8"/>
   </p:notesMasterIdLst>
-  <p:sldSz cx="9144000" cy="5143500"/>
-  <p:notesSz cx="5143500" cy="9144000"/>
+  <p:sldSz cx="12192000" cy="6858000"/>
+  <p:notesSz cx="6858000" cy="12192000"/>
   <p:defaultTextStyle>
     <a:lvl1pPr marL="0" algn="l" defTabSz="914400" rtl="0" eaLnBrk="1" latinLnBrk="0" hangingPunct="1">
       <a:defRPr sz="1800" kern="1200">
@@ -811,6 +813,182 @@
 </p:notes>
 </file>
 
+<file path=ppt/notesSlides/notesSlide5.xml><?xml version="1.0" encoding="utf-8"?>
+<p:notes xmlns:a="http://schemas.openxmlformats.org/drawingml/2006/main" xmlns:r="http://schemas.openxmlformats.org/officeDocument/2006/relationships" xmlns:p="http://schemas.openxmlformats.org/presentationml/2006/main">
+  <p:cSld>
+    <p:spTree>
+      <p:nvGrpSpPr>
+        <p:cNvPr id="1" name=""/>
+        <p:cNvGrpSpPr/>
+        <p:nvPr/>
+      </p:nvGrpSpPr>
+      <p:grpSpPr>
+        <a:xfrm>
+          <a:off x="0" y="0"/>
+          <a:ext cx="0" cy="0"/>
+          <a:chOff x="0" y="0"/>
+          <a:chExt cx="0" cy="0"/>
+        </a:xfrm>
+      </p:grpSpPr>
+      <p:sp>
+        <p:nvSpPr>
+          <p:cNvPr id="2" name="Slide Image Placeholder 1"/>
+          <p:cNvSpPr>
+            <a:spLocks noGrp="1" noRot="1" noChangeAspect="1"/>
+          </p:cNvSpPr>
+          <p:nvPr>
+            <p:ph type="sldImg"/>
+          </p:nvPr>
+        </p:nvSpPr>
+        <p:spPr/>
+      </p:sp>
+      <p:sp>
+        <p:nvSpPr>
+          <p:cNvPr id="3" name="Notes Placeholder 2"/>
+          <p:cNvSpPr>
+            <a:spLocks noGrp="1"/>
+          </p:cNvSpPr>
+          <p:nvPr>
+            <p:ph type="body" idx="1"/>
+          </p:nvPr>
+        </p:nvSpPr>
+        <p:spPr/>
+        <p:txBody>
+          <a:bodyPr/>
+          <a:lstStyle/>
+          <a:p>
+            <a:r>
+              <a:rPr lang="en-US" dirty="0"/>
+              <a:t/>
+            </a:r>
+            <a:endParaRPr lang="en-US" dirty="0"/>
+          </a:p>
+        </p:txBody>
+      </p:sp>
+      <p:sp>
+        <p:nvSpPr>
+          <p:cNvPr id="4" name="Slide Number Placeholder 3"/>
+          <p:cNvSpPr>
+            <a:spLocks noGrp="1"/>
+          </p:cNvSpPr>
+          <p:nvPr>
+            <p:ph type="sldNum" sz="quarter" idx="10"/>
+          </p:nvPr>
+        </p:nvSpPr>
+        <p:spPr/>
+        <p:txBody>
+          <a:bodyPr/>
+          <a:lstStyle/>
+          <a:p>
+            <a:fld id="{F7021451-1387-4CA6-816F-3879F97B5CBC}" type="slidenum">
+              <a:rPr lang="en-US"/>
+              <a:t>5</a:t>
+            </a:fld>
+            <a:endParaRPr lang="en-US"/>
+          </a:p>
+        </p:txBody>
+      </p:sp>
+    </p:spTree>
+    <p:extLst>
+      <p:ext uri="{BB962C8B-B14F-4D97-AF65-F5344CB8AC3E}">
+        <p14:creationId xmlns:p14="http://schemas.microsoft.com/office/powerpoint/2010/main" val="1024086991"/>
+      </p:ext>
+    </p:extLst>
+  </p:cSld>
+  <p:clrMapOvr>
+    <a:masterClrMapping/>
+  </p:clrMapOvr>
+</p:notes>
+</file>
+
+<file path=ppt/notesSlides/notesSlide6.xml><?xml version="1.0" encoding="utf-8"?>
+<p:notes xmlns:a="http://schemas.openxmlformats.org/drawingml/2006/main" xmlns:r="http://schemas.openxmlformats.org/officeDocument/2006/relationships" xmlns:p="http://schemas.openxmlformats.org/presentationml/2006/main">
+  <p:cSld>
+    <p:spTree>
+      <p:nvGrpSpPr>
+        <p:cNvPr id="1" name=""/>
+        <p:cNvGrpSpPr/>
+        <p:nvPr/>
+      </p:nvGrpSpPr>
+      <p:grpSpPr>
+        <a:xfrm>
+          <a:off x="0" y="0"/>
+          <a:ext cx="0" cy="0"/>
+          <a:chOff x="0" y="0"/>
+          <a:chExt cx="0" cy="0"/>
+        </a:xfrm>
+      </p:grpSpPr>
+      <p:sp>
+        <p:nvSpPr>
+          <p:cNvPr id="2" name="Slide Image Placeholder 1"/>
+          <p:cNvSpPr>
+            <a:spLocks noGrp="1" noRot="1" noChangeAspect="1"/>
+          </p:cNvSpPr>
+          <p:nvPr>
+            <p:ph type="sldImg"/>
+          </p:nvPr>
+        </p:nvSpPr>
+        <p:spPr/>
+      </p:sp>
+      <p:sp>
+        <p:nvSpPr>
+          <p:cNvPr id="3" name="Notes Placeholder 2"/>
+          <p:cNvSpPr>
+            <a:spLocks noGrp="1"/>
+          </p:cNvSpPr>
+          <p:nvPr>
+            <p:ph type="body" idx="1"/>
+          </p:nvPr>
+        </p:nvSpPr>
+        <p:spPr/>
+        <p:txBody>
+          <a:bodyPr/>
+          <a:lstStyle/>
+          <a:p>
+            <a:r>
+              <a:rPr lang="en-US" dirty="0"/>
+              <a:t/>
+            </a:r>
+            <a:endParaRPr lang="en-US" dirty="0"/>
+          </a:p>
+        </p:txBody>
+      </p:sp>
+      <p:sp>
+        <p:nvSpPr>
+          <p:cNvPr id="4" name="Slide Number Placeholder 3"/>
+          <p:cNvSpPr>
+            <a:spLocks noGrp="1"/>
+          </p:cNvSpPr>
+          <p:nvPr>
+            <p:ph type="sldNum" sz="quarter" idx="10"/>
+          </p:nvPr>
+        </p:nvSpPr>
+        <p:spPr/>
+        <p:txBody>
+          <a:bodyPr/>
+          <a:lstStyle/>
+          <a:p>
+            <a:fld id="{F7021451-1387-4CA6-816F-3879F97B5CBC}" type="slidenum">
+              <a:rPr lang="en-US"/>
+              <a:t>6</a:t>
+            </a:fld>
+            <a:endParaRPr lang="en-US"/>
+          </a:p>
+        </p:txBody>
+      </p:sp>
+    </p:spTree>
+    <p:extLst>
+      <p:ext uri="{BB962C8B-B14F-4D97-AF65-F5344CB8AC3E}">
+        <p14:creationId xmlns:p14="http://schemas.microsoft.com/office/powerpoint/2010/main" val="1024086991"/>
+      </p:ext>
+    </p:extLst>
+  </p:cSld>
+  <p:clrMapOvr>
+    <a:masterClrMapping/>
+  </p:clrMapOvr>
+</p:notes>
+</file>
+
 <file path=ppt/slideLayouts/slideLayout1.xml><?xml version="1.0" encoding="utf-8"?>
 <p:sldLayout xmlns:a="http://schemas.openxmlformats.org/drawingml/2006/main" xmlns:r="http://schemas.openxmlformats.org/officeDocument/2006/relationships" xmlns:p="http://schemas.openxmlformats.org/presentationml/2006/main" preserve="1">
   <p:cSld name="DEFAULT">
@@ -841,6 +1019,350 @@
 </p:sldLayout>
 </file>
 
+<file path=ppt/slideLayouts/slideLayout2.xml><?xml version="1.0" encoding="utf-8"?>
+<p:sldLayout xmlns:a="http://schemas.openxmlformats.org/drawingml/2006/main" xmlns:r="http://schemas.openxmlformats.org/officeDocument/2006/relationships" xmlns:p="http://schemas.openxmlformats.org/presentationml/2006/main" preserve="1">
+  <p:cSld name="MASTER_SLIDE">
+    <p:bg>
+      <p:bgPr>
+        <a:solidFill>
+          <a:srgbClr val="FFFFFF"/>
+        </a:solidFill>
+      </p:bgPr>
+    </p:bg>
+    <p:spTree>
+      <p:nvGrpSpPr>
+        <p:cNvPr id="1" name=""/>
+        <p:cNvGrpSpPr/>
+        <p:nvPr/>
+      </p:nvGrpSpPr>
+      <p:grpSpPr>
+        <a:xfrm>
+          <a:off x="0" y="0"/>
+          <a:ext cx="0" cy="0"/>
+          <a:chOff x="0" y="0"/>
+          <a:chExt cx="0" cy="0"/>
+        </a:xfrm>
+      </p:grpSpPr>
+      <p:sp>
+        <p:nvSpPr>
+          <p:cNvPr id="2" name="Shape 0"/>
+          <p:cNvSpPr/>
+          <p:nvPr/>
+        </p:nvSpPr>
+        <p:spPr>
+          <a:xfrm>
+            <a:off x="3200400" y="914400"/>
+            <a:ext cx="5486400" cy="914400"/>
+          </a:xfrm>
+          <a:prstGeom prst="line">
+            <a:avLst/>
+          </a:prstGeom>
+          <a:noFill/>
+          <a:ln w="63500">
+            <a:solidFill>
+              <a:srgbClr val="FF0000"/>
+            </a:solidFill>
+            <a:prstDash val="solid"/>
+          </a:ln>
+        </p:spPr>
+      </p:sp>
+      <p:sp>
+        <p:nvSpPr>
+          <p:cNvPr id="3" name="Shape 1"/>
+          <p:cNvSpPr/>
+          <p:nvPr/>
+        </p:nvSpPr>
+        <p:spPr>
+          <a:xfrm>
+            <a:off x="0" y="4846320"/>
+            <a:ext cx="12192000" cy="685800"/>
+          </a:xfrm>
+          <a:prstGeom prst="rect">
+            <a:avLst/>
+          </a:prstGeom>
+          <a:solidFill>
+            <a:srgbClr val="00FF00"/>
+          </a:solidFill>
+          <a:ln/>
+        </p:spPr>
+      </p:sp>
+      <p:sp>
+        <p:nvSpPr>
+          <p:cNvPr id="4" name="Text 2"/>
+          <p:cNvSpPr/>
+          <p:nvPr/>
+        </p:nvSpPr>
+        <p:spPr>
+          <a:xfrm>
+            <a:off x="2743200" y="4846320"/>
+            <a:ext cx="5029200" cy="685800"/>
+          </a:xfrm>
+          <a:prstGeom prst="rect">
+            <a:avLst/>
+          </a:prstGeom>
+          <a:noFill/>
+          <a:ln/>
+        </p:spPr>
+        <p:txBody>
+          <a:bodyPr wrap="square" rtlCol="0" anchor="ctr"/>
+          <a:lstStyle/>
+          <a:p>
+            <a:pPr indent="0" marL="0">
+              <a:buNone/>
+            </a:pPr>
+            <a:r>
+              <a:rPr lang="en-US" dirty="0">
+                <a:solidFill>
+                  <a:srgbClr val="000000"/>
+                </a:solidFill>
+              </a:rPr>
+              <a:t>Status Report</a:t>
+            </a:r>
+            <a:endParaRPr lang="en-US" dirty="0"/>
+          </a:p>
+        </p:txBody>
+      </p:sp>
+      <p:pic>
+        <p:nvPicPr>
+          <p:cNvPr id="5" name="Image 0" descr="images/logo.jpeg">    </p:cNvPr>
+          <p:cNvPicPr>
+            <a:picLocks noChangeAspect="1"/>
+          </p:cNvPicPr>
+          <p:nvPr/>
+        </p:nvPicPr>
+        <p:blipFill>
+          <a:blip r:embed="rId1"/>
+          <a:stretch>
+            <a:fillRect/>
+          </a:stretch>
+        </p:blipFill>
+        <p:spPr>
+          <a:xfrm>
+            <a:off x="10332720" y="5852160"/>
+            <a:ext cx="1527048" cy="685800"/>
+          </a:xfrm>
+          <a:prstGeom prst="rect">
+            <a:avLst/>
+          </a:prstGeom>
+        </p:spPr>
+      </p:pic>
+      <p:sp>
+        <p:nvSpPr>
+          <p:cNvPr id="25" name="Slide Number Placeholder 0"/>
+          <p:cNvSpPr>
+            <a:spLocks noGrp="1"/>
+          </p:cNvSpPr>
+          <p:nvPr>
+            <p:ph type="sldNum" sz="quarter" idx="4294967295"/>
+          </p:nvPr>
+        </p:nvSpPr>
+        <p:spPr>
+          <a:xfrm>
+            <a:off x="274320" y="6172200"/>
+            <a:ext cx="800000" cy="300000"/>
+          </a:xfrm>
+          <a:prstGeom prst="rect">
+            <a:avLst/>
+          </a:prstGeom>
+          <a:extLst>
+            <a:ext uri="{C572A759-6A51-4108-AA02-DFA0A04FC94B}">
+              <ma14:wrappingTextBoxFlag xmlns:ma14="http://schemas.microsoft.com/office/mac/drawingml/2011/main" val="0"/>
+            </a:ext>
+          </a:extLst>
+        </p:spPr>
+        <p:txBody>
+          <a:bodyPr/>
+          <a:lstStyle>
+            <a:lvl1pPr/>
+          </a:lstStyle>
+          <a:p>
+            <a:pPr algn="l"/>
+            <a:fld id="{F7021451-1387-4CA6-816F-3879F97B5CBC}" type="slidenum">
+              <a:rPr b="0" lang="en-US"/>
+              <a:t>1002</a:t>
+            </a:fld>
+            <a:endParaRPr lang="en-US"/>
+          </a:p>
+        </p:txBody>
+      </p:sp>
+    </p:spTree>
+  </p:cSld>
+  <p:clrMapOvr>
+    <a:masterClrMapping/>
+  </p:clrMapOvr>
+</p:sldLayout>
+</file>
+
+<file path=ppt/slideLayouts/slideLayout3.xml><?xml version="1.0" encoding="utf-8"?>
+<p:sldLayout xmlns:a="http://schemas.openxmlformats.org/drawingml/2006/main" xmlns:r="http://schemas.openxmlformats.org/officeDocument/2006/relationships" xmlns:p="http://schemas.openxmlformats.org/presentationml/2006/main" preserve="1">
+  <p:cSld name="PLACEHOLDER_SLIDE">
+    <p:bg>
+      <p:bgPr>
+        <a:solidFill>
+          <a:srgbClr val="FFFFFF"/>
+        </a:solidFill>
+      </p:bgPr>
+    </p:bg>
+    <p:spTree>
+      <p:nvGrpSpPr>
+        <p:cNvPr id="1" name=""/>
+        <p:cNvGrpSpPr/>
+        <p:nvPr/>
+      </p:nvGrpSpPr>
+      <p:grpSpPr>
+        <a:xfrm>
+          <a:off x="0" y="0"/>
+          <a:ext cx="0" cy="0"/>
+          <a:chOff x="0" y="0"/>
+          <a:chExt cx="0" cy="0"/>
+        </a:xfrm>
+      </p:grpSpPr>
+      <p:sp>
+        <p:nvSpPr>
+          <p:cNvPr id="2" name="Shape 0"/>
+          <p:cNvSpPr/>
+          <p:nvPr/>
+        </p:nvSpPr>
+        <p:spPr>
+          <a:xfrm>
+            <a:off x="0" y="0"/>
+            <a:ext cx="12192000" cy="685800"/>
+          </a:xfrm>
+          <a:prstGeom prst="rect">
+            <a:avLst/>
+          </a:prstGeom>
+          <a:solidFill>
+            <a:srgbClr val="F1F1F1"/>
+          </a:solidFill>
+          <a:ln/>
+        </p:spPr>
+      </p:sp>
+      <p:sp>
+        <p:nvSpPr>
+          <p:cNvPr id="3" name="Text 1"/>
+          <p:cNvSpPr/>
+          <p:nvPr/>
+        </p:nvSpPr>
+        <p:spPr>
+          <a:xfrm>
+            <a:off x="0" y="0"/>
+            <a:ext cx="5486400" cy="685800"/>
+          </a:xfrm>
+          <a:prstGeom prst="rect">
+            <a:avLst/>
+          </a:prstGeom>
+          <a:noFill/>
+          <a:ln/>
+        </p:spPr>
+        <p:txBody>
+          <a:bodyPr wrap="square" rtlCol="0" anchor="ctr"/>
+          <a:lstStyle/>
+          <a:p>
+            <a:pPr indent="0" marL="0">
+              <a:buNone/>
+            </a:pPr>
+            <a:r>
+              <a:rPr lang="en-US" dirty="0">
+                <a:solidFill>
+                  <a:srgbClr val="000000"/>
+                </a:solidFill>
+              </a:rPr>
+              <a:t>Status Report</a:t>
+            </a:r>
+            <a:endParaRPr lang="en-US" dirty="0"/>
+          </a:p>
+        </p:txBody>
+      </p:sp>
+      <p:sp>
+        <p:nvSpPr>
+          <p:cNvPr id="4" name="Text 2"/>
+          <p:cNvSpPr/>
+          <p:nvPr>
+            <p:ph idx="102" type="body" hasCustomPrompt="1"/>
+          </p:nvPr>
+        </p:nvSpPr>
+        <p:spPr>
+          <a:xfrm>
+            <a:off x="548640" y="1371600"/>
+            <a:ext cx="10972800" cy="4800600"/>
+          </a:xfrm>
+          <a:prstGeom prst="rect">
+            <a:avLst/>
+          </a:prstGeom>
+          <a:noFill/>
+          <a:ln/>
+        </p:spPr>
+        <p:txBody>
+          <a:bodyPr wrap="square" rtlCol="0"/>
+          <a:lstStyle>
+            <a:lvl1pPr indent="0" marL="0">
+              <a:buNone/>
+              <a:defRPr lang="en-US" dirty="0"/>
+            </a:lvl1pPr>
+          </a:lstStyle>
+          <a:p>
+            <a:pPr indent="0" marL="0">
+              <a:buNone/>
+            </a:pPr>
+            <a:r>
+              <a:rPr lang="en-US" dirty="0">
+                <a:solidFill>
+                  <a:srgbClr val="000000"/>
+                </a:solidFill>
+              </a:rPr>
+              <a:t>(custom placeholder text!)</a:t>
+            </a:r>
+            <a:endParaRPr lang="en-US" dirty="0"/>
+          </a:p>
+        </p:txBody>
+      </p:sp>
+      <p:sp>
+        <p:nvSpPr>
+          <p:cNvPr id="25" name="Slide Number Placeholder 0"/>
+          <p:cNvSpPr>
+            <a:spLocks noGrp="1"/>
+          </p:cNvSpPr>
+          <p:nvPr>
+            <p:ph type="sldNum" sz="quarter" idx="4294967295"/>
+          </p:nvPr>
+        </p:nvSpPr>
+        <p:spPr>
+          <a:xfrm>
+            <a:off x="274320" y="6515100"/>
+            <a:ext cx="800000" cy="300000"/>
+          </a:xfrm>
+          <a:prstGeom prst="rect">
+            <a:avLst/>
+          </a:prstGeom>
+          <a:extLst>
+            <a:ext uri="{C572A759-6A51-4108-AA02-DFA0A04FC94B}">
+              <ma14:wrappingTextBoxFlag xmlns:ma14="http://schemas.microsoft.com/office/mac/drawingml/2011/main" val="0"/>
+            </a:ext>
+          </a:extLst>
+        </p:spPr>
+        <p:txBody>
+          <a:bodyPr/>
+          <a:lstStyle>
+            <a:lvl1pPr/>
+          </a:lstStyle>
+          <a:p>
+            <a:pPr algn="l"/>
+            <a:fld id="{F7021451-1387-4CA6-816F-3879F97B5CBC}" type="slidenum">
+              <a:rPr b="0" lang="en-US"/>
+              <a:t>1003</a:t>
+            </a:fld>
+            <a:endParaRPr lang="en-US"/>
+          </a:p>
+        </p:txBody>
+      </p:sp>
+    </p:spTree>
+  </p:cSld>
+  <p:clrMapOvr>
+    <a:masterClrMapping/>
+  </p:clrMapOvr>
+</p:sldLayout>
+</file>
+
 <file path=ppt/slideMasters/slideMaster1.xml><?xml version="1.0" encoding="utf-8"?>
 <p:sldMaster xmlns:a="http://schemas.openxmlformats.org/drawingml/2006/main" xmlns:r="http://schemas.openxmlformats.org/officeDocument/2006/relationships" xmlns:p="http://schemas.openxmlformats.org/presentationml/2006/main">
   <p:cSld>
@@ -858,11 +1380,52 @@
           <a:chExt cx="0" cy="0"/>
         </a:xfrm>
       </p:grpSpPr>
+      <p:sp>
+        <p:nvSpPr>
+          <p:cNvPr id="25" name="Slide Number Placeholder 0"/>
+          <p:cNvSpPr>
+            <a:spLocks noGrp="1"/>
+          </p:cNvSpPr>
+          <p:nvPr>
+            <p:ph type="sldNum" sz="quarter" idx="4294967295"/>
+          </p:nvPr>
+        </p:nvSpPr>
+        <p:spPr>
+          <a:xfrm>
+            <a:off x="274320" y="4629150"/>
+            <a:ext cx="800000" cy="300000"/>
+          </a:xfrm>
+          <a:prstGeom prst="rect">
+            <a:avLst/>
+          </a:prstGeom>
+          <a:extLst>
+            <a:ext uri="{C572A759-6A51-4108-AA02-DFA0A04FC94B}">
+              <ma14:wrappingTextBoxFlag xmlns:ma14="http://schemas.microsoft.com/office/mac/drawingml/2011/main" val="0"/>
+            </a:ext>
+          </a:extLst>
+        </p:spPr>
+        <p:txBody>
+          <a:bodyPr/>
+          <a:lstStyle>
+            <a:lvl1pPr/>
+          </a:lstStyle>
+          <a:p>
+            <a:pPr algn="l"/>
+            <a:fld id="{F7021451-1387-4CA6-816F-3879F97B5CBC}" type="slidenum">
+              <a:rPr b="0" lang="en-US"/>
+              <a:t>null</a:t>
+            </a:fld>
+            <a:endParaRPr lang="en-US"/>
+          </a:p>
+        </p:txBody>
+      </p:sp>
     </p:spTree>
   </p:cSld>
   <p:clrMap bg1="lt1" tx1="dk1" bg2="lt2" tx2="dk2" accent1="accent1" accent2="accent2" accent3="accent3" accent4="accent4" accent5="accent5" accent6="accent6" hlink="hlink" folHlink="folHlink"/>
   <p:sldLayoutIdLst>
     <p:sldLayoutId id="2147483649" r:id="rId1"/>
+    <p:sldLayoutId id="2147483650" r:id="rId2"/>
+    <p:sldLayoutId id="2147483651" r:id="rId3"/>
   </p:sldLayoutIdLst>
   <p:hf sldNum="0" hdr="0" ftr="0" dt="0"/>
   <p:txStyles>
@@ -1143,8 +1706,8 @@
         </p:nvSpPr>
         <p:spPr>
           <a:xfrm>
-            <a:off x="914400" y="457200"/>
-            <a:ext cx="6858000" cy="0"/>
+            <a:off x="457200" y="640080"/>
+            <a:ext cx="9144000" cy="0"/>
           </a:xfrm>
           <a:prstGeom prst="rect">
             <a:avLst/>
@@ -1160,123 +1723,53 @@
               <a:buNone/>
             </a:pPr>
             <a:r>
-              <a:rPr lang="en-US" sz="2400" b="1" dirty="0">
-                <a:solidFill>
-                  <a:srgbClr val="0088CC"/>
-                </a:solidFill>
-              </a:rPr>
-              <a:t>Profilo Dipendente</a:t>
-            </a:r>
-            <a:endParaRPr lang="en-US" sz="2400" dirty="0"/>
-          </a:p>
-        </p:txBody>
-      </p:sp>
-      <p:sp>
-        <p:nvSpPr>
-          <p:cNvPr id="3" name="Text 1"/>
-          <p:cNvSpPr/>
-          <p:nvPr/>
-        </p:nvSpPr>
-        <p:spPr>
-          <a:xfrm>
-            <a:off x="914400" y="1371600"/>
-            <a:ext cx="6858000" cy="0"/>
+              <a:rPr lang="en-US" sz="1800" dirty="0">
+                <a:solidFill>
+                  <a:srgbClr val="000000"/>
+                </a:solidFill>
+              </a:rPr>
+              <a:t>How To Create PowerPoint Presentations with JavaScript</a:t>
+            </a:r>
+            <a:endParaRPr lang="en-US" sz="1800" dirty="0"/>
+          </a:p>
+        </p:txBody>
+      </p:sp>
+      <p:sp>
+        <p:nvSpPr>
+          <p:cNvPr id="25" name="Slide Number Placeholder 0"/>
+          <p:cNvSpPr>
+            <a:spLocks noGrp="1"/>
+          </p:cNvSpPr>
+          <p:nvPr>
+            <p:ph type="sldNum" sz="quarter" idx="4294967295"/>
+          </p:nvPr>
+        </p:nvSpPr>
+        <p:spPr>
+          <a:xfrm>
+            <a:off x="274320" y="6172200"/>
+            <a:ext cx="800000" cy="300000"/>
           </a:xfrm>
           <a:prstGeom prst="rect">
             <a:avLst/>
           </a:prstGeom>
-          <a:noFill/>
-          <a:ln/>
-        </p:spPr>
-        <p:txBody>
-          <a:bodyPr wrap="square" rtlCol="0" anchor="ctr"/>
-          <a:lstStyle/>
-          <a:p>
-            <a:pPr indent="0" marL="0">
-              <a:buNone/>
-            </a:pPr>
-            <a:r>
-              <a:rPr lang="en-US" sz="1400" b="1" dirty="0">
-                <a:solidFill>
-                  <a:srgbClr val="000000"/>
-                </a:solidFill>
-              </a:rPr>
-              <a:t>ID Dipendente: </a:t>
-            </a:r>
-            <a:pPr indent="0" marL="0">
-              <a:buNone/>
-            </a:pPr>
-            <a:r>
-              <a:rPr lang="en-US" sz="1400" dirty="0">
-                <a:solidFill>
-                  <a:srgbClr val="000000"/>
-                </a:solidFill>
-              </a:rPr>
-              <a:t>00000001</a:t>
-            </a:r>
-            <a:pPr indent="0" marL="0">
-              <a:buNone/>
-            </a:pPr>
-            <a:endParaRPr lang="en-US" sz="1400" dirty="0"/>
-          </a:p>
-          <a:p>
-            <a:pPr indent="0" marL="0">
-              <a:buNone/>
-            </a:pPr>
-            <a:r>
-              <a:rPr lang="en-US" sz="1400" b="1" dirty="0">
-                <a:solidFill>
-                  <a:srgbClr val="000000"/>
-                </a:solidFill>
-              </a:rPr>
-              <a:t>Nome: </a:t>
-            </a:r>
-            <a:endParaRPr lang="en-US" sz="1400" dirty="0"/>
-          </a:p>
-          <a:p>
-            <a:pPr indent="0" marL="0">
-              <a:buNone/>
-            </a:pPr>
-            <a:r>
-              <a:rPr lang="en-US" sz="1400" dirty="0">
-                <a:solidFill>
-                  <a:srgbClr val="000000"/>
-                </a:solidFill>
-              </a:rPr>
-              <a:t>Mario Rossi</a:t>
-            </a:r>
-            <a:pPr indent="0" marL="0">
-              <a:buNone/>
-            </a:pPr>
-            <a:endParaRPr lang="en-US" sz="1400" dirty="0"/>
-          </a:p>
-          <a:p>
-            <a:pPr indent="0" marL="0">
-              <a:buNone/>
-            </a:pPr>
-            <a:r>
-              <a:rPr lang="en-US" sz="1400" b="1" dirty="0">
-                <a:solidFill>
-                  <a:srgbClr val="000000"/>
-                </a:solidFill>
-              </a:rPr>
-              <a:t>Data di nascita: </a:t>
-            </a:r>
-            <a:endParaRPr lang="en-US" sz="1400" dirty="0"/>
-          </a:p>
-          <a:p>
-            <a:pPr indent="0" marL="0">
-              <a:buNone/>
-            </a:pPr>
-            <a:r>
-              <a:rPr lang="en-US" sz="1400" dirty="0">
-                <a:solidFill>
-                  <a:srgbClr val="000000"/>
-                </a:solidFill>
-              </a:rPr>
-              <a:t>1980-01-01</a:t>
-            </a:r>
-            <a:endParaRPr lang="en-US" sz="1400" dirty="0"/>
+          <a:extLst>
+            <a:ext uri="{C572A759-6A51-4108-AA02-DFA0A04FC94B}">
+              <ma14:wrappingTextBoxFlag xmlns:ma14="http://schemas.microsoft.com/office/mac/drawingml/2011/main" val="0"/>
+            </a:ext>
+          </a:extLst>
+        </p:spPr>
+        <p:txBody>
+          <a:bodyPr/>
+          <a:lstStyle>
+            <a:lvl1pPr/>
+          </a:lstStyle>
+          <a:p>
+            <a:pPr algn="l"/>
+            <a:fld id="{F7021451-1387-4CA6-816F-3879F97B5CBC}" type="slidenum">
+              <a:rPr b="0" lang="en-US"/>
+              <a:t>1</a:t>
+            </a:fld>
+            <a:endParaRPr lang="en-US"/>
           </a:p>
         </p:txBody>
       </p:sp>
@@ -1307,14 +1800,16 @@
       </p:grpSpPr>
       <p:sp>
         <p:nvSpPr>
-          <p:cNvPr id="2" name="Text 0"/>
+          <p:cNvPr id="2" name="Text 2"/>
           <p:cNvSpPr/>
-          <p:nvPr/>
-        </p:nvSpPr>
-        <p:spPr>
-          <a:xfrm>
-            <a:off x="914400" y="457200"/>
-            <a:ext cx="6858000" cy="0"/>
+          <p:nvPr>
+            <p:ph idx="102" type="body" hasCustomPrompt="1"/>
+          </p:nvPr>
+        </p:nvSpPr>
+        <p:spPr>
+          <a:xfrm>
+            <a:off x="548640" y="1371600"/>
+            <a:ext cx="10972800" cy="4800600"/>
           </a:xfrm>
           <a:prstGeom prst="rect">
             <a:avLst/>
@@ -1323,130 +1818,56 @@
           <a:ln/>
         </p:spPr>
         <p:txBody>
-          <a:bodyPr wrap="square" rtlCol="0" anchor="ctr"/>
+          <a:bodyPr wrap="square" rtlCol="0"/>
           <a:lstStyle/>
           <a:p>
             <a:pPr indent="0" marL="0">
               <a:buNone/>
             </a:pPr>
             <a:r>
-              <a:rPr lang="en-US" sz="2400" b="1" dirty="0">
-                <a:solidFill>
-                  <a:srgbClr val="0088CC"/>
-                </a:solidFill>
-              </a:rPr>
-              <a:t>Posizione Organizzativa</a:t>
-            </a:r>
-            <a:endParaRPr lang="en-US" sz="2400" dirty="0"/>
-          </a:p>
-        </p:txBody>
-      </p:sp>
-      <p:sp>
-        <p:nvSpPr>
-          <p:cNvPr id="3" name="Text 1"/>
-          <p:cNvSpPr/>
-          <p:nvPr/>
-        </p:nvSpPr>
-        <p:spPr>
-          <a:xfrm>
-            <a:off x="914400" y="1371600"/>
-            <a:ext cx="6858000" cy="0"/>
+              <a:rPr lang="en-US" dirty="0"/>
+              <a:t>Body Placeholder here!</a:t>
+            </a:r>
+            <a:endParaRPr lang="en-US" dirty="0"/>
+          </a:p>
+        </p:txBody>
+      </p:sp>
+      <p:sp>
+        <p:nvSpPr>
+          <p:cNvPr id="25" name="Slide Number Placeholder 0"/>
+          <p:cNvSpPr>
+            <a:spLocks noGrp="1"/>
+          </p:cNvSpPr>
+          <p:nvPr>
+            <p:ph type="sldNum" sz="quarter" idx="4294967295"/>
+          </p:nvPr>
+        </p:nvSpPr>
+        <p:spPr>
+          <a:xfrm>
+            <a:off x="274320" y="6515100"/>
+            <a:ext cx="800000" cy="300000"/>
           </a:xfrm>
           <a:prstGeom prst="rect">
             <a:avLst/>
           </a:prstGeom>
-          <a:noFill/>
-          <a:ln/>
-        </p:spPr>
-        <p:txBody>
-          <a:bodyPr wrap="square" rtlCol="0" anchor="ctr"/>
-          <a:lstStyle/>
-          <a:p>
-            <a:pPr indent="0" marL="0">
-              <a:buNone/>
-            </a:pPr>
-            <a:r>
-              <a:rPr lang="en-US" sz="1400" b="1" dirty="0">
-                <a:solidFill>
-                  <a:srgbClr val="000000"/>
-                </a:solidFill>
-              </a:rPr>
-              <a:t>Unità Organizzativa: </a:t>
-            </a:r>
-            <a:pPr indent="0" marL="0">
-              <a:buNone/>
-            </a:pPr>
-            <a:r>
-              <a:rPr lang="en-US" sz="1400" dirty="0">
-                <a:solidFill>
-                  <a:srgbClr val="000000"/>
-                </a:solidFill>
-              </a:rPr>
-              <a:t>1000</a:t>
-            </a:r>
-            <a:pPr indent="0" marL="0">
-              <a:buNone/>
-            </a:pPr>
-            <a:endParaRPr lang="en-US" sz="1400" dirty="0"/>
-          </a:p>
-          <a:p>
-            <a:pPr indent="0" marL="0">
-              <a:buNone/>
-            </a:pPr>
-            <a:r>
-              <a:rPr lang="en-US" sz="1400" b="1" dirty="0">
-                <a:solidFill>
-                  <a:srgbClr val="000000"/>
-                </a:solidFill>
-              </a:rPr>
-              <a:t>Posizione: </a:t>
-            </a:r>
-            <a:endParaRPr lang="en-US" sz="1400" dirty="0"/>
-          </a:p>
-          <a:p>
-            <a:pPr indent="0" marL="0">
-              <a:buNone/>
-            </a:pPr>
-            <a:r>
-              <a:rPr lang="en-US" sz="1400" dirty="0">
-                <a:solidFill>
-                  <a:srgbClr val="000000"/>
-                </a:solidFill>
-              </a:rPr>
-              <a:t>HR Specialist</a:t>
-            </a:r>
-            <a:pPr indent="0" marL="0">
-              <a:buNone/>
-            </a:pPr>
-            <a:endParaRPr lang="en-US" sz="1400" dirty="0"/>
-          </a:p>
-          <a:p>
-            <a:pPr indent="0" marL="0">
-              <a:buNone/>
-            </a:pPr>
-            <a:r>
-              <a:rPr lang="en-US" sz="1400" b="1" dirty="0">
-                <a:solidFill>
-                  <a:srgbClr val="000000"/>
-                </a:solidFill>
-              </a:rPr>
-              <a:t>Area Aziendale: </a:t>
-            </a:r>
-            <a:endParaRPr lang="en-US" sz="1400" dirty="0"/>
-          </a:p>
-          <a:p>
-            <a:pPr indent="0" marL="0">
-              <a:buNone/>
-            </a:pPr>
-            <a:r>
-              <a:rPr lang="en-US" sz="1400" dirty="0">
-                <a:solidFill>
-                  <a:srgbClr val="000000"/>
-                </a:solidFill>
-              </a:rPr>
-              <a:t>001</a:t>
-            </a:r>
-            <a:endParaRPr lang="en-US" sz="1400" dirty="0"/>
+          <a:extLst>
+            <a:ext uri="{C572A759-6A51-4108-AA02-DFA0A04FC94B}">
+              <ma14:wrappingTextBoxFlag xmlns:ma14="http://schemas.microsoft.com/office/mac/drawingml/2011/main" val="0"/>
+            </a:ext>
+          </a:extLst>
+        </p:spPr>
+        <p:txBody>
+          <a:bodyPr/>
+          <a:lstStyle>
+            <a:lvl1pPr/>
+          </a:lstStyle>
+          <a:p>
+            <a:pPr algn="l"/>
+            <a:fld id="{F7021451-1387-4CA6-816F-3879F97B5CBC}" type="slidenum">
+              <a:rPr b="0" lang="en-US"/>
+              <a:t>2</a:t>
+            </a:fld>
+            <a:endParaRPr lang="en-US"/>
           </a:p>
         </p:txBody>
       </p:sp>
@@ -1484,7 +1905,7 @@
         <p:spPr>
           <a:xfrm>
             <a:off x="914400" y="457200"/>
-            <a:ext cx="6858000" cy="0"/>
+            <a:ext cx="9144000" cy="0"/>
           </a:xfrm>
           <a:prstGeom prst="rect">
             <a:avLst/>
@@ -1505,7 +1926,7 @@
                   <a:srgbClr val="0088CC"/>
                 </a:solidFill>
               </a:rPr>
-              <a:t>Competenze e Qualifiche</a:t>
+              <a:t>Profilo Dipendente</a:t>
             </a:r>
             <a:endParaRPr lang="en-US" sz="2400" dirty="0"/>
           </a:p>
@@ -1519,8 +1940,8 @@
         </p:nvSpPr>
         <p:spPr>
           <a:xfrm>
-            <a:off x="914400" y="914400"/>
-            <a:ext cx="6858000" cy="0"/>
+            <a:off x="914400" y="1371600"/>
+            <a:ext cx="9144000" cy="0"/>
           </a:xfrm>
           <a:prstGeom prst="rect">
             <a:avLst/>
@@ -1536,48 +1957,12 @@
               <a:buNone/>
             </a:pPr>
             <a:r>
-              <a:rPr lang="en-US" sz="1800" b="1" dirty="0">
-                <a:solidFill>
-                  <a:srgbClr val="0088CC"/>
-                </a:solidFill>
-              </a:rPr>
-              <a:t>Qualifiche</a:t>
-            </a:r>
-            <a:endParaRPr lang="en-US" sz="1800" dirty="0"/>
-          </a:p>
-        </p:txBody>
-      </p:sp>
-      <p:sp>
-        <p:nvSpPr>
-          <p:cNvPr id="4" name="Text 2"/>
-          <p:cNvSpPr/>
-          <p:nvPr/>
-        </p:nvSpPr>
-        <p:spPr>
-          <a:xfrm>
-            <a:off x="914400" y="1371600"/>
-            <a:ext cx="6858000" cy="0"/>
-          </a:xfrm>
-          <a:prstGeom prst="rect">
-            <a:avLst/>
-          </a:prstGeom>
-          <a:noFill/>
-          <a:ln/>
-        </p:spPr>
-        <p:txBody>
-          <a:bodyPr wrap="square" rtlCol="0" anchor="ctr"/>
-          <a:lstStyle/>
-          <a:p>
-            <a:pPr indent="0" marL="0">
-              <a:buNone/>
-            </a:pPr>
-            <a:r>
               <a:rPr lang="en-US" sz="1400" b="1" dirty="0">
                 <a:solidFill>
                   <a:srgbClr val="000000"/>
                 </a:solidFill>
               </a:rPr>
-              <a:t>1. </a:t>
+              <a:t>ID Dipendente: </a:t>
             </a:r>
             <a:pPr indent="0" marL="0">
               <a:buNone/>
@@ -1588,8 +1973,28 @@
                   <a:srgbClr val="000000"/>
                 </a:solidFill>
               </a:rPr>
-              <a:t>Lingue</a:t>
-            </a:r>
+              <a:t>00000001</a:t>
+            </a:r>
+            <a:pPr indent="0" marL="0">
+              <a:buNone/>
+            </a:pPr>
+            <a:endParaRPr lang="en-US" sz="1400" dirty="0"/>
+          </a:p>
+          <a:p>
+            <a:pPr indent="0" marL="0">
+              <a:buNone/>
+            </a:pPr>
+            <a:r>
+              <a:rPr lang="en-US" sz="1400" b="1" dirty="0">
+                <a:solidFill>
+                  <a:srgbClr val="000000"/>
+                </a:solidFill>
+              </a:rPr>
+              <a:t>Nome: </a:t>
+            </a:r>
+            <a:endParaRPr lang="en-US" sz="1400" dirty="0"/>
+          </a:p>
+          <a:p>
             <a:pPr indent="0" marL="0">
               <a:buNone/>
             </a:pPr>
@@ -1599,8 +2004,28 @@
                   <a:srgbClr val="000000"/>
                 </a:solidFill>
               </a:rPr>
-              <a:t> - </a:t>
-            </a:r>
+              <a:t>Mario Rossi</a:t>
+            </a:r>
+            <a:pPr indent="0" marL="0">
+              <a:buNone/>
+            </a:pPr>
+            <a:endParaRPr lang="en-US" sz="1400" dirty="0"/>
+          </a:p>
+          <a:p>
+            <a:pPr indent="0" marL="0">
+              <a:buNone/>
+            </a:pPr>
+            <a:r>
+              <a:rPr lang="en-US" sz="1400" b="1" dirty="0">
+                <a:solidFill>
+                  <a:srgbClr val="000000"/>
+                </a:solidFill>
+              </a:rPr>
+              <a:t>Data di nascita: </a:t>
+            </a:r>
+            <a:endParaRPr lang="en-US" sz="1400" dirty="0"/>
+          </a:p>
+          <a:p>
             <a:pPr indent="0" marL="0">
               <a:buNone/>
             </a:pPr>
@@ -1610,203 +2035,7 @@
                   <a:srgbClr val="000000"/>
                 </a:solidFill>
               </a:rPr>
-              <a:t>Inglese - Livello B2</a:t>
-            </a:r>
-            <a:endParaRPr lang="en-US" sz="1400" dirty="0"/>
-          </a:p>
-        </p:txBody>
-      </p:sp>
-      <p:sp>
-        <p:nvSpPr>
-          <p:cNvPr id="5" name="Text 3"/>
-          <p:cNvSpPr/>
-          <p:nvPr/>
-        </p:nvSpPr>
-        <p:spPr>
-          <a:xfrm>
-            <a:off x="914400" y="2286000"/>
-            <a:ext cx="6858000" cy="0"/>
-          </a:xfrm>
-          <a:prstGeom prst="rect">
-            <a:avLst/>
-          </a:prstGeom>
-          <a:noFill/>
-          <a:ln/>
-        </p:spPr>
-        <p:txBody>
-          <a:bodyPr wrap="square" rtlCol="0" anchor="ctr"/>
-          <a:lstStyle/>
-          <a:p>
-            <a:pPr indent="0" marL="0">
-              <a:buNone/>
-            </a:pPr>
-            <a:r>
-              <a:rPr lang="en-US" sz="1400" b="1" dirty="0">
-                <a:solidFill>
-                  <a:srgbClr val="000000"/>
-                </a:solidFill>
-              </a:rPr>
-              <a:t>2. </a:t>
-            </a:r>
-            <a:pPr indent="0" marL="0">
-              <a:buNone/>
-            </a:pPr>
-            <a:r>
-              <a:rPr lang="en-US" sz="1400" dirty="0">
-                <a:solidFill>
-                  <a:srgbClr val="000000"/>
-                </a:solidFill>
-              </a:rPr>
-              <a:t>Certificazioni</a:t>
-            </a:r>
-            <a:pPr indent="0" marL="0">
-              <a:buNone/>
-            </a:pPr>
-            <a:r>
-              <a:rPr lang="en-US" sz="1400" dirty="0">
-                <a:solidFill>
-                  <a:srgbClr val="000000"/>
-                </a:solidFill>
-              </a:rPr>
-              <a:t> - </a:t>
-            </a:r>
-            <a:pPr indent="0" marL="0">
-              <a:buNone/>
-            </a:pPr>
-            <a:r>
-              <a:rPr lang="en-US" sz="1400" dirty="0">
-                <a:solidFill>
-                  <a:srgbClr val="000000"/>
-                </a:solidFill>
-              </a:rPr>
-              <a:t>Certificazione HR Specialist</a:t>
-            </a:r>
-            <a:endParaRPr lang="en-US" sz="1400" dirty="0"/>
-          </a:p>
-        </p:txBody>
-      </p:sp>
-      <p:sp>
-        <p:nvSpPr>
-          <p:cNvPr id="6" name="Text 4"/>
-          <p:cNvSpPr/>
-          <p:nvPr/>
-        </p:nvSpPr>
-        <p:spPr>
-          <a:xfrm>
-            <a:off x="914400" y="3200400"/>
-            <a:ext cx="6858000" cy="0"/>
-          </a:xfrm>
-          <a:prstGeom prst="rect">
-            <a:avLst/>
-          </a:prstGeom>
-          <a:noFill/>
-          <a:ln/>
-        </p:spPr>
-        <p:txBody>
-          <a:bodyPr wrap="square" rtlCol="0" anchor="ctr"/>
-          <a:lstStyle/>
-          <a:p>
-            <a:pPr indent="0" marL="0">
-              <a:buNone/>
-            </a:pPr>
-            <a:r>
-              <a:rPr lang="en-US" sz="1800" b="1" dirty="0">
-                <a:solidFill>
-                  <a:srgbClr val="0088CC"/>
-                </a:solidFill>
-              </a:rPr>
-              <a:t>Istruzione</a:t>
-            </a:r>
-            <a:endParaRPr lang="en-US" sz="1800" dirty="0"/>
-          </a:p>
-        </p:txBody>
-      </p:sp>
-      <p:sp>
-        <p:nvSpPr>
-          <p:cNvPr id="7" name="Text 5"/>
-          <p:cNvSpPr/>
-          <p:nvPr/>
-        </p:nvSpPr>
-        <p:spPr>
-          <a:xfrm>
-            <a:off x="914400" y="3657600"/>
-            <a:ext cx="6858000" cy="0"/>
-          </a:xfrm>
-          <a:prstGeom prst="rect">
-            <a:avLst/>
-          </a:prstGeom>
-          <a:noFill/>
-          <a:ln/>
-        </p:spPr>
-        <p:txBody>
-          <a:bodyPr wrap="square" rtlCol="0" anchor="ctr"/>
-          <a:lstStyle/>
-          <a:p>
-            <a:pPr indent="0" marL="0">
-              <a:buNone/>
-            </a:pPr>
-            <a:r>
-              <a:rPr lang="en-US" sz="1400" b="1" dirty="0">
-                <a:solidFill>
-                  <a:srgbClr val="000000"/>
-                </a:solidFill>
-              </a:rPr>
-              <a:t>1. </a:t>
-            </a:r>
-            <a:pPr indent="0" marL="0">
-              <a:buNone/>
-            </a:pPr>
-            <a:r>
-              <a:rPr lang="en-US" sz="1400" dirty="0">
-                <a:solidFill>
-                  <a:srgbClr val="000000"/>
-                </a:solidFill>
-              </a:rPr>
-              <a:t>Università di Bologna</a:t>
-            </a:r>
-            <a:pPr indent="0" marL="0">
-              <a:buNone/>
-            </a:pPr>
-            <a:r>
-              <a:rPr lang="en-US" sz="1400" dirty="0">
-                <a:solidFill>
-                  <a:srgbClr val="000000"/>
-                </a:solidFill>
-              </a:rPr>
-              <a:t> - </a:t>
-            </a:r>
-            <a:pPr indent="0" marL="0">
-              <a:buNone/>
-            </a:pPr>
-            <a:r>
-              <a:rPr lang="en-US" sz="1400" dirty="0">
-                <a:solidFill>
-                  <a:srgbClr val="000000"/>
-                </a:solidFill>
-              </a:rPr>
-              <a:t>Laurea in Economia</a:t>
-            </a:r>
-            <a:pPr indent="0" marL="0">
-              <a:buNone/>
-            </a:pPr>
-            <a:r>
-              <a:rPr lang="en-US" sz="1400" dirty="0">
-                <a:solidFill>
-                  <a:srgbClr val="000000"/>
-                </a:solidFill>
-              </a:rPr>
-              <a:t> - </a:t>
-            </a:r>
-            <a:pPr indent="0" marL="0">
-              <a:buNone/>
-            </a:pPr>
-            <a:r>
-              <a:rPr lang="en-US" sz="1400" dirty="0">
-                <a:solidFill>
-                  <a:srgbClr val="000000"/>
-                </a:solidFill>
-              </a:rPr>
-              <a:t>2005-07-15</a:t>
+              <a:t>1980-01-01</a:t>
             </a:r>
             <a:endParaRPr lang="en-US" sz="1400" dirty="0"/>
           </a:p>
@@ -1846,7 +2075,7 @@
         <p:spPr>
           <a:xfrm>
             <a:off x="914400" y="457200"/>
-            <a:ext cx="6858000" cy="0"/>
+            <a:ext cx="9144000" cy="0"/>
           </a:xfrm>
           <a:prstGeom prst="rect">
             <a:avLst/>
@@ -1867,7 +2096,7 @@
                   <a:srgbClr val="0088CC"/>
                 </a:solidFill>
               </a:rPr>
-              <a:t>Sviluppo di Carriera</a:t>
+              <a:t>Posizione Organizzativa</a:t>
             </a:r>
             <a:endParaRPr lang="en-US" sz="2400" dirty="0"/>
           </a:p>
@@ -1881,8 +2110,8 @@
         </p:nvSpPr>
         <p:spPr>
           <a:xfrm>
-            <a:off x="914400" y="914400"/>
-            <a:ext cx="6858000" cy="0"/>
+            <a:off x="914400" y="1371600"/>
+            <a:ext cx="9144000" cy="0"/>
           </a:xfrm>
           <a:prstGeom prst="rect">
             <a:avLst/>
@@ -1903,7 +2132,7 @@
                   <a:srgbClr val="000000"/>
                 </a:solidFill>
               </a:rPr>
-              <a:t>1. </a:t>
+              <a:t>Unità Organizzativa: </a:t>
             </a:r>
             <a:pPr indent="0" marL="0">
               <a:buNone/>
@@ -1914,8 +2143,28 @@
                   <a:srgbClr val="000000"/>
                 </a:solidFill>
               </a:rPr>
-              <a:t>Assunzione</a:t>
-            </a:r>
+              <a:t>1000</a:t>
+            </a:r>
+            <a:pPr indent="0" marL="0">
+              <a:buNone/>
+            </a:pPr>
+            <a:endParaRPr lang="en-US" sz="1400" dirty="0"/>
+          </a:p>
+          <a:p>
+            <a:pPr indent="0" marL="0">
+              <a:buNone/>
+            </a:pPr>
+            <a:r>
+              <a:rPr lang="en-US" sz="1400" b="1" dirty="0">
+                <a:solidFill>
+                  <a:srgbClr val="000000"/>
+                </a:solidFill>
+              </a:rPr>
+              <a:t>Posizione: </a:t>
+            </a:r>
+            <a:endParaRPr lang="en-US" sz="1400" dirty="0"/>
+          </a:p>
+          <a:p>
             <a:pPr indent="0" marL="0">
               <a:buNone/>
             </a:pPr>
@@ -1925,8 +2174,28 @@
                   <a:srgbClr val="000000"/>
                 </a:solidFill>
               </a:rPr>
-              <a:t> - </a:t>
-            </a:r>
+              <a:t>HR Specialist</a:t>
+            </a:r>
+            <a:pPr indent="0" marL="0">
+              <a:buNone/>
+            </a:pPr>
+            <a:endParaRPr lang="en-US" sz="1400" dirty="0"/>
+          </a:p>
+          <a:p>
+            <a:pPr indent="0" marL="0">
+              <a:buNone/>
+            </a:pPr>
+            <a:r>
+              <a:rPr lang="en-US" sz="1400" b="1" dirty="0">
+                <a:solidFill>
+                  <a:srgbClr val="000000"/>
+                </a:solidFill>
+              </a:rPr>
+              <a:t>Area Aziendale: </a:t>
+            </a:r>
+            <a:endParaRPr lang="en-US" sz="1400" dirty="0"/>
+          </a:p>
+          <a:p>
             <a:pPr indent="0" marL="0">
               <a:buNone/>
             </a:pPr>
@@ -1936,31 +2205,106 @@
                   <a:srgbClr val="000000"/>
                 </a:solidFill>
               </a:rPr>
-              <a:t>2005-07-15</a:t>
-            </a:r>
-            <a:pPr indent="0" marL="0">
-              <a:buNone/>
-            </a:pPr>
-            <a:r>
-              <a:rPr lang="en-US" sz="1400" dirty="0">
-                <a:solidFill>
-                  <a:srgbClr val="000000"/>
-                </a:solidFill>
-              </a:rPr>
-              <a:t> - </a:t>
-            </a:r>
-            <a:pPr indent="0" marL="0">
-              <a:buNone/>
-            </a:pPr>
-            <a:r>
-              <a:rPr lang="en-US" sz="1400" dirty="0">
-                <a:solidFill>
-                  <a:srgbClr val="000000"/>
-                </a:solidFill>
-              </a:rPr>
-              <a:t>Assunzione come HR Specialist</a:t>
+              <a:t>001</a:t>
             </a:r>
             <a:endParaRPr lang="en-US" sz="1400" dirty="0"/>
+          </a:p>
+        </p:txBody>
+      </p:sp>
+    </p:spTree>
+  </p:cSld>
+  <p:clrMapOvr>
+    <a:masterClrMapping/>
+  </p:clrMapOvr>
+</p:sld>
+</file>
+
+<file path=ppt/slides/slide5.xml><?xml version="1.0" encoding="utf-8"?>
+<p:sld xmlns:a="http://schemas.openxmlformats.org/drawingml/2006/main" xmlns:r="http://schemas.openxmlformats.org/officeDocument/2006/relationships" xmlns:p="http://schemas.openxmlformats.org/presentationml/2006/main">
+  <p:cSld name="Slide 5">
+    <p:spTree>
+      <p:nvGrpSpPr>
+        <p:cNvPr id="1" name=""/>
+        <p:cNvGrpSpPr/>
+        <p:nvPr/>
+      </p:nvGrpSpPr>
+      <p:grpSpPr>
+        <a:xfrm>
+          <a:off x="0" y="0"/>
+          <a:ext cx="0" cy="0"/>
+          <a:chOff x="0" y="0"/>
+          <a:chExt cx="0" cy="0"/>
+        </a:xfrm>
+      </p:grpSpPr>
+      <p:sp>
+        <p:nvSpPr>
+          <p:cNvPr id="2" name="Text 0"/>
+          <p:cNvSpPr/>
+          <p:nvPr/>
+        </p:nvSpPr>
+        <p:spPr>
+          <a:xfrm>
+            <a:off x="914400" y="457200"/>
+            <a:ext cx="9144000" cy="0"/>
+          </a:xfrm>
+          <a:prstGeom prst="rect">
+            <a:avLst/>
+          </a:prstGeom>
+          <a:noFill/>
+          <a:ln/>
+        </p:spPr>
+        <p:txBody>
+          <a:bodyPr wrap="square" rtlCol="0" anchor="ctr"/>
+          <a:lstStyle/>
+          <a:p>
+            <a:pPr indent="0" marL="0">
+              <a:buNone/>
+            </a:pPr>
+            <a:r>
+              <a:rPr lang="en-US" sz="2400" b="1" dirty="0">
+                <a:solidFill>
+                  <a:srgbClr val="0088CC"/>
+                </a:solidFill>
+              </a:rPr>
+              <a:t>Competenze e Qualifiche</a:t>
+            </a:r>
+            <a:endParaRPr lang="en-US" sz="2400" dirty="0"/>
+          </a:p>
+        </p:txBody>
+      </p:sp>
+      <p:sp>
+        <p:nvSpPr>
+          <p:cNvPr id="3" name="Text 1"/>
+          <p:cNvSpPr/>
+          <p:nvPr/>
+        </p:nvSpPr>
+        <p:spPr>
+          <a:xfrm>
+            <a:off x="914400" y="914400"/>
+            <a:ext cx="9144000" cy="0"/>
+          </a:xfrm>
+          <a:prstGeom prst="rect">
+            <a:avLst/>
+          </a:prstGeom>
+          <a:noFill/>
+          <a:ln/>
+        </p:spPr>
+        <p:txBody>
+          <a:bodyPr wrap="square" rtlCol="0" anchor="ctr"/>
+          <a:lstStyle/>
+          <a:p>
+            <a:pPr indent="0" marL="0">
+              <a:buNone/>
+            </a:pPr>
+            <a:r>
+              <a:rPr lang="en-US" sz="1800" b="1" dirty="0">
+                <a:solidFill>
+                  <a:srgbClr val="0088CC"/>
+                </a:solidFill>
+              </a:rPr>
+              <a:t>Qualifiche</a:t>
+            </a:r>
+            <a:endParaRPr lang="en-US" sz="1800" dirty="0"/>
           </a:p>
         </p:txBody>
       </p:sp>
@@ -1972,8 +2316,425 @@
         </p:nvSpPr>
         <p:spPr>
           <a:xfrm>
+            <a:off x="914400" y="1371600"/>
+            <a:ext cx="9144000" cy="0"/>
+          </a:xfrm>
+          <a:prstGeom prst="rect">
+            <a:avLst/>
+          </a:prstGeom>
+          <a:noFill/>
+          <a:ln/>
+        </p:spPr>
+        <p:txBody>
+          <a:bodyPr wrap="square" rtlCol="0" anchor="ctr"/>
+          <a:lstStyle/>
+          <a:p>
+            <a:pPr indent="0" marL="0">
+              <a:buNone/>
+            </a:pPr>
+            <a:r>
+              <a:rPr lang="en-US" sz="1400" b="1" dirty="0">
+                <a:solidFill>
+                  <a:srgbClr val="000000"/>
+                </a:solidFill>
+              </a:rPr>
+              <a:t>1. </a:t>
+            </a:r>
+            <a:pPr indent="0" marL="0">
+              <a:buNone/>
+            </a:pPr>
+            <a:r>
+              <a:rPr lang="en-US" sz="1400" dirty="0">
+                <a:solidFill>
+                  <a:srgbClr val="000000"/>
+                </a:solidFill>
+              </a:rPr>
+              <a:t>Lingue</a:t>
+            </a:r>
+            <a:pPr indent="0" marL="0">
+              <a:buNone/>
+            </a:pPr>
+            <a:r>
+              <a:rPr lang="en-US" sz="1400" dirty="0">
+                <a:solidFill>
+                  <a:srgbClr val="000000"/>
+                </a:solidFill>
+              </a:rPr>
+              <a:t> - </a:t>
+            </a:r>
+            <a:pPr indent="0" marL="0">
+              <a:buNone/>
+            </a:pPr>
+            <a:r>
+              <a:rPr lang="en-US" sz="1400" dirty="0">
+                <a:solidFill>
+                  <a:srgbClr val="000000"/>
+                </a:solidFill>
+              </a:rPr>
+              <a:t>Inglese - Livello B2</a:t>
+            </a:r>
+            <a:endParaRPr lang="en-US" sz="1400" dirty="0"/>
+          </a:p>
+        </p:txBody>
+      </p:sp>
+      <p:sp>
+        <p:nvSpPr>
+          <p:cNvPr id="5" name="Text 3"/>
+          <p:cNvSpPr/>
+          <p:nvPr/>
+        </p:nvSpPr>
+        <p:spPr>
+          <a:xfrm>
+            <a:off x="914400" y="2286000"/>
+            <a:ext cx="9144000" cy="0"/>
+          </a:xfrm>
+          <a:prstGeom prst="rect">
+            <a:avLst/>
+          </a:prstGeom>
+          <a:noFill/>
+          <a:ln/>
+        </p:spPr>
+        <p:txBody>
+          <a:bodyPr wrap="square" rtlCol="0" anchor="ctr"/>
+          <a:lstStyle/>
+          <a:p>
+            <a:pPr indent="0" marL="0">
+              <a:buNone/>
+            </a:pPr>
+            <a:r>
+              <a:rPr lang="en-US" sz="1400" b="1" dirty="0">
+                <a:solidFill>
+                  <a:srgbClr val="000000"/>
+                </a:solidFill>
+              </a:rPr>
+              <a:t>2. </a:t>
+            </a:r>
+            <a:pPr indent="0" marL="0">
+              <a:buNone/>
+            </a:pPr>
+            <a:r>
+              <a:rPr lang="en-US" sz="1400" dirty="0">
+                <a:solidFill>
+                  <a:srgbClr val="000000"/>
+                </a:solidFill>
+              </a:rPr>
+              <a:t>Certificazioni</a:t>
+            </a:r>
+            <a:pPr indent="0" marL="0">
+              <a:buNone/>
+            </a:pPr>
+            <a:r>
+              <a:rPr lang="en-US" sz="1400" dirty="0">
+                <a:solidFill>
+                  <a:srgbClr val="000000"/>
+                </a:solidFill>
+              </a:rPr>
+              <a:t> - </a:t>
+            </a:r>
+            <a:pPr indent="0" marL="0">
+              <a:buNone/>
+            </a:pPr>
+            <a:r>
+              <a:rPr lang="en-US" sz="1400" dirty="0">
+                <a:solidFill>
+                  <a:srgbClr val="000000"/>
+                </a:solidFill>
+              </a:rPr>
+              <a:t>Certificazione HR Specialist</a:t>
+            </a:r>
+            <a:endParaRPr lang="en-US" sz="1400" dirty="0"/>
+          </a:p>
+        </p:txBody>
+      </p:sp>
+      <p:sp>
+        <p:nvSpPr>
+          <p:cNvPr id="6" name="Text 4"/>
+          <p:cNvSpPr/>
+          <p:nvPr/>
+        </p:nvSpPr>
+        <p:spPr>
+          <a:xfrm>
+            <a:off x="914400" y="3200400"/>
+            <a:ext cx="9144000" cy="0"/>
+          </a:xfrm>
+          <a:prstGeom prst="rect">
+            <a:avLst/>
+          </a:prstGeom>
+          <a:noFill/>
+          <a:ln/>
+        </p:spPr>
+        <p:txBody>
+          <a:bodyPr wrap="square" rtlCol="0" anchor="ctr"/>
+          <a:lstStyle/>
+          <a:p>
+            <a:pPr indent="0" marL="0">
+              <a:buNone/>
+            </a:pPr>
+            <a:r>
+              <a:rPr lang="en-US" sz="1800" b="1" dirty="0">
+                <a:solidFill>
+                  <a:srgbClr val="0088CC"/>
+                </a:solidFill>
+              </a:rPr>
+              <a:t>Istruzione</a:t>
+            </a:r>
+            <a:endParaRPr lang="en-US" sz="1800" dirty="0"/>
+          </a:p>
+        </p:txBody>
+      </p:sp>
+      <p:sp>
+        <p:nvSpPr>
+          <p:cNvPr id="7" name="Text 5"/>
+          <p:cNvSpPr/>
+          <p:nvPr/>
+        </p:nvSpPr>
+        <p:spPr>
+          <a:xfrm>
+            <a:off x="914400" y="3657600"/>
+            <a:ext cx="9144000" cy="0"/>
+          </a:xfrm>
+          <a:prstGeom prst="rect">
+            <a:avLst/>
+          </a:prstGeom>
+          <a:noFill/>
+          <a:ln/>
+        </p:spPr>
+        <p:txBody>
+          <a:bodyPr wrap="square" rtlCol="0" anchor="ctr"/>
+          <a:lstStyle/>
+          <a:p>
+            <a:pPr indent="0" marL="0">
+              <a:buNone/>
+            </a:pPr>
+            <a:r>
+              <a:rPr lang="en-US" sz="1400" b="1" dirty="0">
+                <a:solidFill>
+                  <a:srgbClr val="000000"/>
+                </a:solidFill>
+              </a:rPr>
+              <a:t>1. </a:t>
+            </a:r>
+            <a:pPr indent="0" marL="0">
+              <a:buNone/>
+            </a:pPr>
+            <a:r>
+              <a:rPr lang="en-US" sz="1400" dirty="0">
+                <a:solidFill>
+                  <a:srgbClr val="000000"/>
+                </a:solidFill>
+              </a:rPr>
+              <a:t>Università di Bologna</a:t>
+            </a:r>
+            <a:pPr indent="0" marL="0">
+              <a:buNone/>
+            </a:pPr>
+            <a:r>
+              <a:rPr lang="en-US" sz="1400" dirty="0">
+                <a:solidFill>
+                  <a:srgbClr val="000000"/>
+                </a:solidFill>
+              </a:rPr>
+              <a:t> - </a:t>
+            </a:r>
+            <a:pPr indent="0" marL="0">
+              <a:buNone/>
+            </a:pPr>
+            <a:r>
+              <a:rPr lang="en-US" sz="1400" dirty="0">
+                <a:solidFill>
+                  <a:srgbClr val="000000"/>
+                </a:solidFill>
+              </a:rPr>
+              <a:t>Laurea in Economia</a:t>
+            </a:r>
+            <a:pPr indent="0" marL="0">
+              <a:buNone/>
+            </a:pPr>
+            <a:r>
+              <a:rPr lang="en-US" sz="1400" dirty="0">
+                <a:solidFill>
+                  <a:srgbClr val="000000"/>
+                </a:solidFill>
+              </a:rPr>
+              <a:t> - </a:t>
+            </a:r>
+            <a:pPr indent="0" marL="0">
+              <a:buNone/>
+            </a:pPr>
+            <a:r>
+              <a:rPr lang="en-US" sz="1400" dirty="0">
+                <a:solidFill>
+                  <a:srgbClr val="000000"/>
+                </a:solidFill>
+              </a:rPr>
+              <a:t>2005-07-15</a:t>
+            </a:r>
+            <a:endParaRPr lang="en-US" sz="1400" dirty="0"/>
+          </a:p>
+        </p:txBody>
+      </p:sp>
+    </p:spTree>
+  </p:cSld>
+  <p:clrMapOvr>
+    <a:masterClrMapping/>
+  </p:clrMapOvr>
+</p:sld>
+</file>
+
+<file path=ppt/slides/slide6.xml><?xml version="1.0" encoding="utf-8"?>
+<p:sld xmlns:a="http://schemas.openxmlformats.org/drawingml/2006/main" xmlns:r="http://schemas.openxmlformats.org/officeDocument/2006/relationships" xmlns:p="http://schemas.openxmlformats.org/presentationml/2006/main">
+  <p:cSld name="Slide 6">
+    <p:spTree>
+      <p:nvGrpSpPr>
+        <p:cNvPr id="1" name=""/>
+        <p:cNvGrpSpPr/>
+        <p:nvPr/>
+      </p:nvGrpSpPr>
+      <p:grpSpPr>
+        <a:xfrm>
+          <a:off x="0" y="0"/>
+          <a:ext cx="0" cy="0"/>
+          <a:chOff x="0" y="0"/>
+          <a:chExt cx="0" cy="0"/>
+        </a:xfrm>
+      </p:grpSpPr>
+      <p:sp>
+        <p:nvSpPr>
+          <p:cNvPr id="2" name="Text 0"/>
+          <p:cNvSpPr/>
+          <p:nvPr/>
+        </p:nvSpPr>
+        <p:spPr>
+          <a:xfrm>
+            <a:off x="914400" y="457200"/>
+            <a:ext cx="9144000" cy="0"/>
+          </a:xfrm>
+          <a:prstGeom prst="rect">
+            <a:avLst/>
+          </a:prstGeom>
+          <a:noFill/>
+          <a:ln/>
+        </p:spPr>
+        <p:txBody>
+          <a:bodyPr wrap="square" rtlCol="0" anchor="ctr"/>
+          <a:lstStyle/>
+          <a:p>
+            <a:pPr indent="0" marL="0">
+              <a:buNone/>
+            </a:pPr>
+            <a:r>
+              <a:rPr lang="en-US" sz="2400" b="1" dirty="0">
+                <a:solidFill>
+                  <a:srgbClr val="0088CC"/>
+                </a:solidFill>
+              </a:rPr>
+              <a:t>Sviluppo di Carriera</a:t>
+            </a:r>
+            <a:endParaRPr lang="en-US" sz="2400" dirty="0"/>
+          </a:p>
+        </p:txBody>
+      </p:sp>
+      <p:sp>
+        <p:nvSpPr>
+          <p:cNvPr id="3" name="Text 1"/>
+          <p:cNvSpPr/>
+          <p:nvPr/>
+        </p:nvSpPr>
+        <p:spPr>
+          <a:xfrm>
+            <a:off x="914400" y="914400"/>
+            <a:ext cx="9144000" cy="0"/>
+          </a:xfrm>
+          <a:prstGeom prst="rect">
+            <a:avLst/>
+          </a:prstGeom>
+          <a:noFill/>
+          <a:ln/>
+        </p:spPr>
+        <p:txBody>
+          <a:bodyPr wrap="square" rtlCol="0" anchor="ctr"/>
+          <a:lstStyle/>
+          <a:p>
+            <a:pPr indent="0" marL="0">
+              <a:buNone/>
+            </a:pPr>
+            <a:r>
+              <a:rPr lang="en-US" sz="1400" b="1" dirty="0">
+                <a:solidFill>
+                  <a:srgbClr val="000000"/>
+                </a:solidFill>
+              </a:rPr>
+              <a:t>1. </a:t>
+            </a:r>
+            <a:pPr indent="0" marL="0">
+              <a:buNone/>
+            </a:pPr>
+            <a:r>
+              <a:rPr lang="en-US" sz="1400" dirty="0">
+                <a:solidFill>
+                  <a:srgbClr val="000000"/>
+                </a:solidFill>
+              </a:rPr>
+              <a:t>Assunzione</a:t>
+            </a:r>
+            <a:pPr indent="0" marL="0">
+              <a:buNone/>
+            </a:pPr>
+            <a:r>
+              <a:rPr lang="en-US" sz="1400" dirty="0">
+                <a:solidFill>
+                  <a:srgbClr val="000000"/>
+                </a:solidFill>
+              </a:rPr>
+              <a:t> - </a:t>
+            </a:r>
+            <a:pPr indent="0" marL="0">
+              <a:buNone/>
+            </a:pPr>
+            <a:r>
+              <a:rPr lang="en-US" sz="1400" dirty="0">
+                <a:solidFill>
+                  <a:srgbClr val="000000"/>
+                </a:solidFill>
+              </a:rPr>
+              <a:t>2005-07-15</a:t>
+            </a:r>
+            <a:pPr indent="0" marL="0">
+              <a:buNone/>
+            </a:pPr>
+            <a:r>
+              <a:rPr lang="en-US" sz="1400" dirty="0">
+                <a:solidFill>
+                  <a:srgbClr val="000000"/>
+                </a:solidFill>
+              </a:rPr>
+              <a:t> - </a:t>
+            </a:r>
+            <a:pPr indent="0" marL="0">
+              <a:buNone/>
+            </a:pPr>
+            <a:r>
+              <a:rPr lang="en-US" sz="1400" dirty="0">
+                <a:solidFill>
+                  <a:srgbClr val="000000"/>
+                </a:solidFill>
+              </a:rPr>
+              <a:t>Assunzione come HR Specialist</a:t>
+            </a:r>
+            <a:endParaRPr lang="en-US" sz="1400" dirty="0"/>
+          </a:p>
+        </p:txBody>
+      </p:sp>
+      <p:sp>
+        <p:nvSpPr>
+          <p:cNvPr id="4" name="Text 2"/>
+          <p:cNvSpPr/>
+          <p:nvPr/>
+        </p:nvSpPr>
+        <p:spPr>
+          <a:xfrm>
             <a:off x="914400" y="1828800"/>
-            <a:ext cx="6858000" cy="0"/>
+            <a:ext cx="9144000" cy="0"/>
           </a:xfrm>
           <a:prstGeom prst="rect">
             <a:avLst/>
